--- a/Curriculum/Week_4/Lectures/4.2_Flask_Part_1.pptx
+++ b/Curriculum/Week_4/Lectures/4.2_Flask_Part_1.pptx
@@ -850,7 +850,7 @@
         </p:nvSpPr>
         <p:spPr>
           <a:xfrm>
-            <a:off x="381300" y="685800"/>
+            <a:off x="381000" y="685800"/>
             <a:ext cx="6096000" cy="3429000"/>
           </a:xfrm>
           <a:custGeom>
@@ -1124,7 +1124,7 @@
         </p:nvSpPr>
         <p:spPr>
           <a:xfrm>
-            <a:off x="381300" y="685800"/>
+            <a:off x="381000" y="685800"/>
             <a:ext cx="6096000" cy="3429000"/>
           </a:xfrm>
           <a:custGeom>
@@ -7063,9 +7063,26 @@
               <a:buNone/>
             </a:pPr>
             <a:r>
-              <a:rPr lang="en"/>
-              <a:t>Update hello_world.py to the following:</a:t>
-            </a:r>
+              <a:rPr lang="en" dirty="0"/>
+              <a:t>Update hello_world.py to the following</a:t>
+            </a:r>
+            <a:r>
+              <a:rPr lang="en" dirty="0" smtClean="0"/>
+              <a:t>:</a:t>
+            </a:r>
+            <a:endParaRPr lang="en-US" dirty="0"/>
+          </a:p>
+          <a:p>
+            <a:pPr lvl="0">
+              <a:spcBef>
+                <a:spcPts val="0"/>
+              </a:spcBef>
+              <a:spcAft>
+                <a:spcPts val="0"/>
+              </a:spcAft>
+              <a:buNone/>
+            </a:pPr>
+            <a:endParaRPr lang="en" sz="1200" dirty="0"/>
           </a:p>
           <a:p>
             <a:pPr marL="457200" lvl="0" indent="0" rtl="0">
@@ -7081,7 +7098,7 @@
               <a:buNone/>
             </a:pPr>
             <a:r>
-              <a:rPr lang="en" sz="1200">
+              <a:rPr lang="en" sz="1200" dirty="0">
                 <a:solidFill>
                   <a:srgbClr val="000080"/>
                 </a:solidFill>
@@ -7107,7 +7124,7 @@
               <a:buNone/>
             </a:pPr>
             <a:r>
-              <a:rPr lang="en" sz="1200">
+              <a:rPr lang="en" sz="1200" dirty="0">
                 <a:solidFill>
                   <a:srgbClr val="000000"/>
                 </a:solidFill>
@@ -7119,7 +7136,7 @@
               <a:t>app</a:t>
             </a:r>
             <a:r>
-              <a:rPr lang="en" sz="1200">
+              <a:rPr lang="en" sz="1200" dirty="0">
                 <a:solidFill>
                   <a:srgbClr val="3E4349"/>
                 </a:solidFill>
@@ -7131,7 +7148,7 @@
               <a:t> </a:t>
             </a:r>
             <a:r>
-              <a:rPr lang="en" sz="1200">
+              <a:rPr lang="en" sz="1200" dirty="0">
                 <a:solidFill>
                   <a:srgbClr val="582800"/>
                 </a:solidFill>
@@ -7143,7 +7160,7 @@
               <a:t>=</a:t>
             </a:r>
             <a:r>
-              <a:rPr lang="en" sz="1200">
+              <a:rPr lang="en" sz="1200" dirty="0">
                 <a:solidFill>
                   <a:srgbClr val="3E4349"/>
                 </a:solidFill>
@@ -7155,7 +7172,7 @@
               <a:t> </a:t>
             </a:r>
             <a:r>
-              <a:rPr lang="en" sz="1200">
+              <a:rPr lang="en" sz="1200" dirty="0">
                 <a:solidFill>
                   <a:srgbClr val="000000"/>
                 </a:solidFill>
@@ -7167,7 +7184,7 @@
               <a:t>Flask</a:t>
             </a:r>
             <a:r>
-              <a:rPr lang="en" sz="1200" b="1">
+              <a:rPr lang="en" sz="1200" b="1" dirty="0">
                 <a:solidFill>
                   <a:srgbClr val="000000"/>
                 </a:solidFill>
@@ -7179,7 +7196,7 @@
               <a:t>(</a:t>
             </a:r>
             <a:r>
-              <a:rPr lang="en" sz="1200">
+              <a:rPr lang="en" sz="1200" dirty="0">
                 <a:solidFill>
                   <a:srgbClr val="000000"/>
                 </a:solidFill>
@@ -7191,7 +7208,7 @@
               <a:t>__name__</a:t>
             </a:r>
             <a:r>
-              <a:rPr lang="en" sz="1200" b="1">
+              <a:rPr lang="en" sz="1200" b="1" dirty="0">
                 <a:solidFill>
                   <a:srgbClr val="000000"/>
                 </a:solidFill>
@@ -7217,7 +7234,7 @@
               <a:buNone/>
             </a:pPr>
             <a:r>
-              <a:rPr lang="en" sz="1200">
+              <a:rPr lang="en" sz="1200" dirty="0">
                 <a:solidFill>
                   <a:srgbClr val="000000"/>
                 </a:solidFill>
@@ -7242,7 +7259,7 @@
               </a:spcAft>
               <a:buNone/>
             </a:pPr>
-            <a:endParaRPr sz="1200">
+            <a:endParaRPr sz="1200" dirty="0">
               <a:solidFill>
                 <a:srgbClr val="000000"/>
               </a:solidFill>
@@ -7266,7 +7283,7 @@
               <a:buNone/>
             </a:pPr>
             <a:r>
-              <a:rPr lang="en" sz="1200">
+              <a:rPr lang="en" sz="1200" dirty="0">
                 <a:solidFill>
                   <a:srgbClr val="000000"/>
                 </a:solidFill>
@@ -7278,7 +7295,7 @@
               <a:t>@</a:t>
             </a:r>
             <a:r>
-              <a:rPr lang="en" sz="1200">
+              <a:rPr lang="en" sz="1200" dirty="0">
                 <a:solidFill>
                   <a:srgbClr val="0000B2"/>
                 </a:solidFill>
@@ -7290,7 +7307,7 @@
               <a:t>app.route</a:t>
             </a:r>
             <a:r>
-              <a:rPr lang="en" sz="1200">
+              <a:rPr lang="en" sz="1200" dirty="0">
                 <a:solidFill>
                   <a:srgbClr val="000000"/>
                 </a:solidFill>
@@ -7302,7 +7319,7 @@
               <a:t>(</a:t>
             </a:r>
             <a:r>
-              <a:rPr lang="en" sz="1200">
+              <a:rPr lang="en" sz="1200" dirty="0">
                 <a:solidFill>
                   <a:srgbClr val="008000"/>
                 </a:solidFill>
@@ -7314,7 +7331,7 @@
               <a:t>'/hello/'</a:t>
             </a:r>
             <a:r>
-              <a:rPr lang="en" sz="1200">
+              <a:rPr lang="en" sz="1200" dirty="0">
                 <a:solidFill>
                   <a:srgbClr val="000000"/>
                 </a:solidFill>
@@ -7340,7 +7357,7 @@
               <a:buNone/>
             </a:pPr>
             <a:r>
-              <a:rPr lang="en" sz="1200">
+              <a:rPr lang="en" sz="1200" dirty="0">
                 <a:solidFill>
                   <a:srgbClr val="000000"/>
                 </a:solidFill>
@@ -7352,7 +7369,7 @@
               <a:t>@</a:t>
             </a:r>
             <a:r>
-              <a:rPr lang="en" sz="1200">
+              <a:rPr lang="en" sz="1200" dirty="0">
                 <a:solidFill>
                   <a:srgbClr val="0000B2"/>
                 </a:solidFill>
@@ -7364,7 +7381,7 @@
               <a:t>app.route</a:t>
             </a:r>
             <a:r>
-              <a:rPr lang="en" sz="1200">
+              <a:rPr lang="en" sz="1200" dirty="0">
                 <a:solidFill>
                   <a:srgbClr val="000000"/>
                 </a:solidFill>
@@ -7376,7 +7393,7 @@
               <a:t>(</a:t>
             </a:r>
             <a:r>
-              <a:rPr lang="en" sz="1200">
+              <a:rPr lang="en" sz="1200" dirty="0">
                 <a:solidFill>
                   <a:srgbClr val="008000"/>
                 </a:solidFill>
@@ -7388,7 +7405,7 @@
               <a:t>'/hello/&lt;name&gt;'</a:t>
             </a:r>
             <a:r>
-              <a:rPr lang="en" sz="1200">
+              <a:rPr lang="en" sz="1200" dirty="0">
                 <a:solidFill>
                   <a:srgbClr val="000000"/>
                 </a:solidFill>
@@ -7414,7 +7431,7 @@
               <a:buNone/>
             </a:pPr>
             <a:r>
-              <a:rPr lang="en" sz="1200">
+              <a:rPr lang="en" sz="1200" dirty="0">
                 <a:solidFill>
                   <a:srgbClr val="000080"/>
                 </a:solidFill>
@@ -7426,7 +7443,7 @@
               <a:t>def </a:t>
             </a:r>
             <a:r>
-              <a:rPr lang="en" sz="1200">
+              <a:rPr lang="en" sz="1200" dirty="0">
                 <a:solidFill>
                   <a:srgbClr val="000000"/>
                 </a:solidFill>
@@ -7438,7 +7455,7 @@
               <a:t>hello_world(name=</a:t>
             </a:r>
             <a:r>
-              <a:rPr lang="en" sz="1200">
+              <a:rPr lang="en" sz="1200" dirty="0">
                 <a:solidFill>
                   <a:srgbClr val="000080"/>
                 </a:solidFill>
@@ -7450,7 +7467,7 @@
               <a:t>None</a:t>
             </a:r>
             <a:r>
-              <a:rPr lang="en" sz="1200">
+              <a:rPr lang="en" sz="1200" dirty="0">
                 <a:solidFill>
                   <a:srgbClr val="000000"/>
                 </a:solidFill>
@@ -7476,7 +7493,7 @@
               <a:buNone/>
             </a:pPr>
             <a:r>
-              <a:rPr lang="en" sz="1200">
+              <a:rPr lang="en" sz="1200" dirty="0">
                 <a:solidFill>
                   <a:srgbClr val="000000"/>
                 </a:solidFill>
@@ -7488,7 +7505,7 @@
               <a:t>   </a:t>
             </a:r>
             <a:r>
-              <a:rPr lang="en" sz="1200">
+              <a:rPr lang="en" sz="1200" dirty="0">
                 <a:solidFill>
                   <a:srgbClr val="000080"/>
                 </a:solidFill>
@@ -7500,7 +7517,7 @@
               <a:t>return </a:t>
             </a:r>
             <a:r>
-              <a:rPr lang="en" sz="1200">
+              <a:rPr lang="en" sz="1200" dirty="0">
                 <a:solidFill>
                   <a:srgbClr val="000000"/>
                 </a:solidFill>
@@ -7512,7 +7529,7 @@
               <a:t>render_template(</a:t>
             </a:r>
             <a:r>
-              <a:rPr lang="en" sz="1200">
+              <a:rPr lang="en" sz="1200" dirty="0">
                 <a:solidFill>
                   <a:srgbClr val="008000"/>
                 </a:solidFill>
@@ -7524,7 +7541,7 @@
               <a:t>'main.html'</a:t>
             </a:r>
             <a:r>
-              <a:rPr lang="en" sz="1200">
+              <a:rPr lang="en" sz="1200" dirty="0">
                 <a:solidFill>
                   <a:srgbClr val="000000"/>
                 </a:solidFill>
@@ -7536,7 +7553,7 @@
               <a:t>, </a:t>
             </a:r>
             <a:r>
-              <a:rPr lang="en" sz="1200">
+              <a:rPr lang="en" sz="1200" dirty="0">
                 <a:solidFill>
                   <a:srgbClr val="660099"/>
                 </a:solidFill>
@@ -7548,7 +7565,7 @@
               <a:t>name</a:t>
             </a:r>
             <a:r>
-              <a:rPr lang="en" sz="1200">
+              <a:rPr lang="en" sz="1200" dirty="0">
                 <a:solidFill>
                   <a:srgbClr val="000000"/>
                 </a:solidFill>
@@ -7573,7 +7590,7 @@
               </a:spcAft>
               <a:buNone/>
             </a:pPr>
-            <a:endParaRPr sz="1200">
+            <a:endParaRPr sz="1200" dirty="0">
               <a:solidFill>
                 <a:srgbClr val="000000"/>
               </a:solidFill>
@@ -7597,7 +7614,7 @@
               <a:buNone/>
             </a:pPr>
             <a:r>
-              <a:rPr lang="en" sz="1200" b="1">
+              <a:rPr lang="en" sz="1200" b="1" dirty="0">
                 <a:solidFill>
                   <a:srgbClr val="000080"/>
                 </a:solidFill>
@@ -7609,7 +7626,7 @@
               <a:t>if </a:t>
             </a:r>
             <a:r>
-              <a:rPr lang="en" sz="1200">
+              <a:rPr lang="en" sz="1200" dirty="0">
                 <a:solidFill>
                   <a:srgbClr val="000000"/>
                 </a:solidFill>
@@ -7621,7 +7638,7 @@
               <a:t>__name__ == </a:t>
             </a:r>
             <a:r>
-              <a:rPr lang="en" sz="1200" b="1">
+              <a:rPr lang="en" sz="1200" b="1" dirty="0">
                 <a:solidFill>
                   <a:srgbClr val="008000"/>
                 </a:solidFill>
@@ -7633,7 +7650,7 @@
               <a:t>'__main__'</a:t>
             </a:r>
             <a:r>
-              <a:rPr lang="en" sz="1200">
+              <a:rPr lang="en" sz="1200" dirty="0">
                 <a:solidFill>
                   <a:srgbClr val="000000"/>
                 </a:solidFill>
@@ -7659,7 +7676,7 @@
               <a:buNone/>
             </a:pPr>
             <a:r>
-              <a:rPr lang="en" sz="1200">
+              <a:rPr lang="en" sz="1200" dirty="0">
                 <a:solidFill>
                   <a:srgbClr val="000000"/>
                 </a:solidFill>
@@ -7671,7 +7688,7 @@
               <a:t>   app.run(</a:t>
             </a:r>
             <a:r>
-              <a:rPr lang="en" sz="1200">
+              <a:rPr lang="en" sz="1200" dirty="0">
                 <a:solidFill>
                   <a:srgbClr val="660099"/>
                 </a:solidFill>
@@ -7683,7 +7700,7 @@
               <a:t>debug</a:t>
             </a:r>
             <a:r>
-              <a:rPr lang="en" sz="1200">
+              <a:rPr lang="en" sz="1200" dirty="0">
                 <a:solidFill>
                   <a:srgbClr val="000000"/>
                 </a:solidFill>
@@ -7695,7 +7712,7 @@
               <a:t>=</a:t>
             </a:r>
             <a:r>
-              <a:rPr lang="en" sz="1200">
+              <a:rPr lang="en" sz="1200" dirty="0">
                 <a:solidFill>
                   <a:srgbClr val="000080"/>
                 </a:solidFill>
@@ -7707,7 +7724,7 @@
               <a:t>True</a:t>
             </a:r>
             <a:r>
-              <a:rPr lang="en" sz="1200">
+              <a:rPr lang="en" sz="1200" dirty="0" smtClean="0">
                 <a:solidFill>
                   <a:srgbClr val="000000"/>
                 </a:solidFill>
@@ -7716,8 +7733,40 @@
                 <a:cs typeface="Consolas"/>
                 <a:sym typeface="Consolas"/>
               </a:rPr>
-              <a:t>) </a:t>
-            </a:r>
+              <a:t>)</a:t>
+            </a:r>
+            <a:endParaRPr lang="en-US" sz="1200" dirty="0" smtClean="0">
+              <a:solidFill>
+                <a:srgbClr val="000000"/>
+              </a:solidFill>
+              <a:latin typeface="Consolas"/>
+              <a:ea typeface="Consolas"/>
+              <a:cs typeface="Consolas"/>
+              <a:sym typeface="Consolas"/>
+            </a:endParaRPr>
+          </a:p>
+          <a:p>
+            <a:pPr marL="457200" marR="0" lvl="0" indent="0" rtl="0">
+              <a:lnSpc>
+                <a:spcPct val="100000"/>
+              </a:lnSpc>
+              <a:spcBef>
+                <a:spcPts val="0"/>
+              </a:spcBef>
+              <a:spcAft>
+                <a:spcPts val="0"/>
+              </a:spcAft>
+              <a:buNone/>
+            </a:pPr>
+            <a:endParaRPr lang="en" sz="1200" dirty="0">
+              <a:solidFill>
+                <a:srgbClr val="000000"/>
+              </a:solidFill>
+              <a:latin typeface="Consolas"/>
+              <a:ea typeface="Consolas"/>
+              <a:cs typeface="Consolas"/>
+              <a:sym typeface="Consolas"/>
+            </a:endParaRPr>
           </a:p>
           <a:p>
             <a:pPr lvl="0">
@@ -7733,15 +7782,24 @@
               <a:buNone/>
             </a:pPr>
             <a:r>
-              <a:rPr lang="en"/>
-              <a:t/>
-            </a:r>
-            <a:br>
-              <a:rPr lang="en"/>
-            </a:br>
-            <a:r>
-              <a:rPr lang="en"/>
-              <a:t>Can anyone tell what this code is doing?</a:t>
+              <a:rPr lang="en" dirty="0" smtClean="0"/>
+              <a:t>Can </a:t>
+            </a:r>
+            <a:r>
+              <a:rPr lang="en" dirty="0"/>
+              <a:t>anyone tell </a:t>
+            </a:r>
+            <a:r>
+              <a:rPr lang="en-US" dirty="0" smtClean="0"/>
+              <a:t>me </a:t>
+            </a:r>
+            <a:r>
+              <a:rPr lang="en" dirty="0" smtClean="0"/>
+              <a:t>what </a:t>
+            </a:r>
+            <a:r>
+              <a:rPr lang="en" dirty="0"/>
+              <a:t>this code is doing?</a:t>
             </a:r>
           </a:p>
           <a:p>
@@ -7758,11 +7816,11 @@
               <a:buNone/>
             </a:pPr>
             <a:r>
-              <a:rPr lang="en"/>
+              <a:rPr lang="en" dirty="0"/>
               <a:t>Now hit </a:t>
             </a:r>
             <a:r>
-              <a:rPr lang="en" u="sng">
+              <a:rPr lang="en" u="sng" dirty="0">
                 <a:solidFill>
                   <a:schemeClr val="accent5"/>
                 </a:solidFill>
@@ -7771,11 +7829,11 @@
               <a:t>http://localhost:5000/hello</a:t>
             </a:r>
             <a:r>
-              <a:rPr lang="en"/>
+              <a:rPr lang="en" dirty="0"/>
               <a:t> and </a:t>
             </a:r>
             <a:r>
-              <a:rPr lang="en" u="sng">
+              <a:rPr lang="en" u="sng" dirty="0">
                 <a:solidFill>
                   <a:schemeClr val="accent5"/>
                 </a:solidFill>
@@ -7784,7 +7842,7 @@
               <a:t>http://localhost:5000/hello/nicole</a:t>
             </a:r>
             <a:r>
-              <a:rPr lang="en"/>
+              <a:rPr lang="en" dirty="0"/>
               <a:t> </a:t>
             </a:r>
           </a:p>
@@ -7802,11 +7860,11 @@
               <a:buNone/>
             </a:pPr>
             <a:r>
-              <a:rPr lang="en"/>
+              <a:rPr lang="en" dirty="0"/>
               <a:t>What happens when you hit </a:t>
             </a:r>
             <a:r>
-              <a:rPr lang="en" u="sng">
+              <a:rPr lang="en" u="sng" dirty="0">
                 <a:solidFill>
                   <a:schemeClr val="accent5"/>
                 </a:solidFill>
@@ -7815,9 +7873,14 @@
               <a:t>http://localhost:5000</a:t>
             </a:r>
             <a:r>
-              <a:rPr lang="en"/>
-              <a:t>? Why?</a:t>
-            </a:r>
+              <a:rPr lang="en" dirty="0"/>
+              <a:t>? Why</a:t>
+            </a:r>
+            <a:r>
+              <a:rPr lang="en" dirty="0" smtClean="0"/>
+              <a:t>?</a:t>
+            </a:r>
+            <a:endParaRPr dirty="0"/>
           </a:p>
           <a:p>
             <a:pPr lvl="0">
@@ -7826,16 +7889,7 @@
               </a:spcBef>
               <a:buNone/>
             </a:pPr>
-            <a:endParaRPr/>
-          </a:p>
-          <a:p>
-            <a:pPr lvl="0">
-              <a:spcBef>
-                <a:spcPts val="0"/>
-              </a:spcBef>
-              <a:buNone/>
-            </a:pPr>
-            <a:endParaRPr/>
+            <a:endParaRPr dirty="0"/>
           </a:p>
         </p:txBody>
       </p:sp>
@@ -7943,7 +7997,7 @@
               <a:buNone/>
             </a:pPr>
             <a:r>
-              <a:rPr lang="en"/>
+              <a:rPr lang="en" dirty="0"/>
               <a:t>In your main.html file, add this after the &lt;html&gt; tag:</a:t>
             </a:r>
           </a:p>
@@ -7961,7 +8015,7 @@
               <a:buNone/>
             </a:pPr>
             <a:r>
-              <a:rPr lang="en" sz="1400">
+              <a:rPr lang="en" sz="1400" dirty="0">
                 <a:solidFill>
                   <a:srgbClr val="000000"/>
                 </a:solidFill>
@@ -7987,7 +8041,7 @@
               <a:buNone/>
             </a:pPr>
             <a:r>
-              <a:rPr lang="en" sz="1400">
+              <a:rPr lang="en" sz="1400" dirty="0">
                 <a:solidFill>
                   <a:srgbClr val="000000"/>
                 </a:solidFill>
@@ -8013,7 +8067,7 @@
               <a:buNone/>
             </a:pPr>
             <a:r>
-              <a:rPr lang="en" sz="1400">
+              <a:rPr lang="en" sz="1400" dirty="0">
                 <a:solidFill>
                   <a:srgbClr val="000000"/>
                 </a:solidFill>
@@ -8038,7 +8092,7 @@
               </a:spcAft>
               <a:buNone/>
             </a:pPr>
-            <a:endParaRPr sz="1400">
+            <a:endParaRPr sz="1400" dirty="0">
               <a:solidFill>
                 <a:srgbClr val="000000"/>
               </a:solidFill>
@@ -8052,7 +8106,7 @@
               <a:buNone/>
             </a:pPr>
             <a:r>
-              <a:rPr lang="en"/>
+              <a:rPr lang="en" dirty="0"/>
               <a:t>Now edit your styles.css file as normal!</a:t>
             </a:r>
           </a:p>
@@ -8063,7 +8117,7 @@
               </a:spcBef>
               <a:buNone/>
             </a:pPr>
-            <a:endParaRPr/>
+            <a:endParaRPr dirty="0"/>
           </a:p>
         </p:txBody>
       </p:sp>
@@ -8162,7 +8216,7 @@
               <a:buNone/>
             </a:pPr>
             <a:r>
-              <a:rPr lang="en" sz="1400"/>
+              <a:rPr lang="en" sz="1400" dirty="0"/>
               <a:t>In your main.html file, add this in the &lt;head&gt; block:</a:t>
             </a:r>
           </a:p>
@@ -8180,7 +8234,7 @@
               <a:buNone/>
             </a:pPr>
             <a:r>
-              <a:rPr lang="en" sz="1200">
+              <a:rPr lang="en" sz="1200" dirty="0">
                 <a:solidFill>
                   <a:srgbClr val="000000"/>
                 </a:solidFill>
@@ -8192,7 +8246,7 @@
               <a:t>&lt;script src="</a:t>
             </a:r>
             <a:r>
-              <a:rPr lang="en" sz="1200" u="sng">
+              <a:rPr lang="en" sz="1200" u="sng" dirty="0">
                 <a:solidFill>
                   <a:schemeClr val="hlink"/>
                 </a:solidFill>
@@ -8208,7 +8262,7 @@
               <a:t>https://ajax.googleapis.com/ajax/libs/jquery/3.1.1/jquery.min.js</a:t>
             </a:r>
             <a:r>
-              <a:rPr lang="en" sz="1200">
+              <a:rPr lang="en" sz="1200" dirty="0">
                 <a:solidFill>
                   <a:srgbClr val="000000"/>
                 </a:solidFill>
@@ -8234,7 +8288,7 @@
               <a:buNone/>
             </a:pPr>
             <a:r>
-              <a:rPr lang="en" sz="1200">
+              <a:rPr lang="en" sz="1200" dirty="0">
                 <a:solidFill>
                   <a:srgbClr val="000000"/>
                 </a:solidFill>
@@ -8259,7 +8313,7 @@
               </a:spcAft>
               <a:buNone/>
             </a:pPr>
-            <a:endParaRPr sz="1400">
+            <a:endParaRPr sz="1400" dirty="0">
               <a:solidFill>
                 <a:srgbClr val="000000"/>
               </a:solidFill>
@@ -8273,7 +8327,7 @@
               <a:buNone/>
             </a:pPr>
             <a:r>
-              <a:rPr lang="en" sz="1400"/>
+              <a:rPr lang="en" sz="1400" dirty="0"/>
               <a:t>Now edit your main.js file as normal! But remember to define all your JS within a listener listening for the DOM being loaded, like this:</a:t>
             </a:r>
           </a:p>
@@ -8288,7 +8342,7 @@
               <a:buNone/>
             </a:pPr>
             <a:r>
-              <a:rPr lang="en" sz="1200">
+              <a:rPr lang="en" sz="1400" dirty="0">
                 <a:solidFill>
                   <a:srgbClr val="000000"/>
                 </a:solidFill>
@@ -8317,7 +8371,7 @@
               <a:buNone/>
             </a:pPr>
             <a:r>
-              <a:rPr lang="en" sz="1200">
+              <a:rPr lang="en" sz="1400" dirty="0">
                 <a:solidFill>
                   <a:srgbClr val="999999"/>
                 </a:solidFill>
@@ -8343,7 +8397,7 @@
               <a:buNone/>
             </a:pPr>
             <a:r>
-              <a:rPr lang="en" sz="1200">
+              <a:rPr lang="en" sz="1400" dirty="0">
                 <a:solidFill>
                   <a:srgbClr val="000000"/>
                 </a:solidFill>
@@ -8368,7 +8422,7 @@
               </a:spcAft>
               <a:buNone/>
             </a:pPr>
-            <a:endParaRPr sz="1400">
+            <a:endParaRPr sz="1400" dirty="0">
               <a:solidFill>
                 <a:srgbClr val="000000"/>
               </a:solidFill>
@@ -8382,7 +8436,7 @@
               <a:buNone/>
             </a:pPr>
             <a:r>
-              <a:rPr lang="en" sz="1400"/>
+              <a:rPr lang="en" sz="1400" dirty="0"/>
               <a:t>This ensures that the JS runs after the DOM has loaded, otherwise listeners won’t bind correctly</a:t>
             </a:r>
           </a:p>
@@ -9040,7 +9094,34 @@
           </a:bodyPr>
           <a:lstStyle/>
           <a:p>
+            <a:pPr marL="228600" lvl="0" rtl="0">
+              <a:lnSpc>
+                <a:spcPct val="100000"/>
+              </a:lnSpc>
+              <a:spcBef>
+                <a:spcPts val="0"/>
+              </a:spcBef>
+              <a:spcAft>
+                <a:spcPts val="1000"/>
+              </a:spcAft>
+            </a:pPr>
+            <a:r>
+              <a:rPr lang="en-US" dirty="0" smtClean="0">
+                <a:ea typeface="Consolas"/>
+                <a:sym typeface="Consolas"/>
+              </a:rPr>
+              <a:t>Run the following commands:</a:t>
+            </a:r>
+            <a:endParaRPr lang="en-US" dirty="0" smtClean="0">
+              <a:ea typeface="Consolas"/>
+              <a:sym typeface="Consolas"/>
+            </a:endParaRPr>
+          </a:p>
+          <a:p>
             <a:pPr marL="457200" lvl="0" indent="-228600" rtl="0">
+              <a:lnSpc>
+                <a:spcPct val="100000"/>
+              </a:lnSpc>
               <a:spcBef>
                 <a:spcPts val="0"/>
               </a:spcBef>
@@ -9051,17 +9132,29 @@
               <a:buAutoNum type="arabicPeriod"/>
             </a:pPr>
             <a:r>
+              <a:rPr lang="en" dirty="0" smtClean="0">
+                <a:latin typeface="Consolas"/>
+                <a:ea typeface="Consolas"/>
+                <a:cs typeface="Consolas"/>
+                <a:sym typeface="Consolas"/>
+              </a:rPr>
+              <a:t>sudo </a:t>
+            </a:r>
+            <a:r>
               <a:rPr lang="en" dirty="0">
                 <a:latin typeface="Consolas"/>
                 <a:ea typeface="Consolas"/>
                 <a:cs typeface="Consolas"/>
                 <a:sym typeface="Consolas"/>
               </a:rPr>
-              <a:t>sudo pip install virtualenv</a:t>
+              <a:t>pip install virtualenv</a:t>
             </a:r>
           </a:p>
           <a:p>
             <a:pPr marL="457200" lvl="0" indent="-228600" rtl="0">
+              <a:lnSpc>
+                <a:spcPct val="100000"/>
+              </a:lnSpc>
               <a:spcBef>
                 <a:spcPts val="0"/>
               </a:spcBef>
@@ -9078,19 +9171,34 @@
                 <a:cs typeface="Consolas"/>
                 <a:sym typeface="Consolas"/>
               </a:rPr>
-              <a:t>mkdir hello_world     	</a:t>
+              <a:t>mkdir hello_world  </a:t>
+            </a:r>
+            <a:r>
+              <a:rPr lang="en" sz="1400" dirty="0" smtClean="0">
+                <a:solidFill>
+                  <a:srgbClr val="999999"/>
+                </a:solidFill>
+                <a:latin typeface="Consolas"/>
+                <a:cs typeface="Consolas"/>
+              </a:rPr>
+              <a:t>// </a:t>
             </a:r>
             <a:r>
               <a:rPr lang="en" sz="1400" dirty="0">
                 <a:solidFill>
                   <a:srgbClr val="999999"/>
                 </a:solidFill>
-              </a:rPr>
-              <a:t>// this is where our project will live</a:t>
+                <a:latin typeface="Consolas"/>
+                <a:cs typeface="Consolas"/>
+              </a:rPr>
+              <a:t>this is where our project will live</a:t>
             </a:r>
           </a:p>
           <a:p>
             <a:pPr marL="457200" lvl="0" indent="-228600" rtl="0">
+              <a:lnSpc>
+                <a:spcPct val="100000"/>
+              </a:lnSpc>
               <a:spcBef>
                 <a:spcPts val="0"/>
               </a:spcBef>
@@ -9112,6 +9220,9 @@
           </a:p>
           <a:p>
             <a:pPr marL="457200" lvl="0" indent="-228600" rtl="0">
+              <a:lnSpc>
+                <a:spcPct val="100000"/>
+              </a:lnSpc>
               <a:spcBef>
                 <a:spcPts val="0"/>
               </a:spcBef>
@@ -9128,19 +9239,34 @@
                 <a:cs typeface="Consolas"/>
                 <a:sym typeface="Consolas"/>
               </a:rPr>
-              <a:t>virtualenv venv          </a:t>
+              <a:t>virtualenv venv    </a:t>
+            </a:r>
+            <a:r>
+              <a:rPr lang="en" sz="1400" dirty="0" smtClean="0">
+                <a:solidFill>
+                  <a:srgbClr val="999999"/>
+                </a:solidFill>
+                <a:latin typeface="Consolas"/>
+                <a:cs typeface="Consolas"/>
+              </a:rPr>
+              <a:t>// </a:t>
             </a:r>
             <a:r>
               <a:rPr lang="en" sz="1400" dirty="0">
                 <a:solidFill>
                   <a:srgbClr val="999999"/>
                 </a:solidFill>
-              </a:rPr>
-              <a:t>// create a virtual environment to contain dependencies</a:t>
+                <a:latin typeface="Consolas"/>
+                <a:cs typeface="Consolas"/>
+              </a:rPr>
+              <a:t>create a virtual environment to contain dependencies</a:t>
             </a:r>
           </a:p>
           <a:p>
             <a:pPr marL="457200" lvl="0" indent="-228600" rtl="0">
+              <a:lnSpc>
+                <a:spcPct val="100000"/>
+              </a:lnSpc>
               <a:spcBef>
                 <a:spcPts val="0"/>
               </a:spcBef>
@@ -9164,12 +9290,17 @@
                 <a:solidFill>
                   <a:srgbClr val="999999"/>
                 </a:solidFill>
+                <a:latin typeface="Consolas"/>
+                <a:cs typeface="Consolas"/>
               </a:rPr>
               <a:t>// activate the virtual environment</a:t>
             </a:r>
           </a:p>
           <a:p>
             <a:pPr marL="457200" lvl="0" indent="-228600" rtl="0">
+              <a:lnSpc>
+                <a:spcPct val="100000"/>
+              </a:lnSpc>
               <a:spcBef>
                 <a:spcPts val="0"/>
               </a:spcBef>
@@ -9193,6 +9324,8 @@
                 <a:solidFill>
                   <a:srgbClr val="999999"/>
                 </a:solidFill>
+                <a:latin typeface="Consolas"/>
+                <a:cs typeface="Consolas"/>
               </a:rPr>
               <a:t>// make sure you’re inside the venv</a:t>
             </a:r>
@@ -9306,7 +9439,7 @@
           <a:p>
             <a:pPr lvl="0" rtl="0">
               <a:lnSpc>
-                <a:spcPct val="120000"/>
+                <a:spcPct val="110000"/>
               </a:lnSpc>
               <a:spcBef>
                 <a:spcPts val="0"/>
@@ -9317,14 +9450,31 @@
               <a:buNone/>
             </a:pPr>
             <a:r>
+              <a:rPr lang="en-US" dirty="0"/>
+              <a:t> </a:t>
+            </a:r>
+            <a:r>
+              <a:rPr lang="en-US" dirty="0" smtClean="0"/>
+              <a:t>  </a:t>
+            </a:r>
+            <a:r>
+              <a:rPr lang="en" dirty="0" smtClean="0"/>
+              <a:t>Run </a:t>
+            </a:r>
+            <a:r>
               <a:rPr lang="en" dirty="0"/>
-              <a:t>Run the following commands:</a:t>
-            </a:r>
+              <a:t>the following commands</a:t>
+            </a:r>
+            <a:r>
+              <a:rPr lang="en" dirty="0" smtClean="0"/>
+              <a:t>:</a:t>
+            </a:r>
+            <a:endParaRPr lang="en" dirty="0"/>
           </a:p>
           <a:p>
             <a:pPr marL="457200" lvl="0" indent="-228600" rtl="0">
               <a:lnSpc>
-                <a:spcPct val="120000"/>
+                <a:spcPct val="110000"/>
               </a:lnSpc>
               <a:spcBef>
                 <a:spcPts val="0"/>
@@ -9348,7 +9498,7 @@
           <a:p>
             <a:pPr marL="457200" lvl="0" indent="-228600" rtl="0">
               <a:lnSpc>
-                <a:spcPct val="120000"/>
+                <a:spcPct val="110000"/>
               </a:lnSpc>
               <a:spcBef>
                 <a:spcPts val="0"/>
@@ -9372,7 +9522,7 @@
           <a:p>
             <a:pPr marL="457200" lvl="0" indent="-228600" rtl="0">
               <a:lnSpc>
-                <a:spcPct val="120000"/>
+                <a:spcPct val="110000"/>
               </a:lnSpc>
               <a:spcBef>
                 <a:spcPts val="0"/>
@@ -9397,6 +9547,8 @@
                 <a:solidFill>
                   <a:srgbClr val="999999"/>
                 </a:solidFill>
+                <a:latin typeface="Consolas"/>
+                <a:cs typeface="Consolas"/>
               </a:rPr>
               <a:t>// this is where our HelloWorld Flask project will live</a:t>
             </a:r>
@@ -9404,7 +9556,7 @@
           <a:p>
             <a:pPr marL="457200" lvl="0" indent="-228600" rtl="0">
               <a:lnSpc>
-                <a:spcPct val="120000"/>
+                <a:spcPct val="110000"/>
               </a:lnSpc>
               <a:spcBef>
                 <a:spcPts val="0"/>
@@ -9428,7 +9580,7 @@
           <a:p>
             <a:pPr marL="457200" lvl="0" indent="-228600" rtl="0">
               <a:lnSpc>
-                <a:spcPct val="120000"/>
+                <a:spcPct val="110000"/>
               </a:lnSpc>
               <a:spcBef>
                 <a:spcPts val="0"/>
@@ -9453,6 +9605,8 @@
                 <a:solidFill>
                   <a:srgbClr val="999999"/>
                 </a:solidFill>
+                <a:latin typeface="Consolas"/>
+                <a:cs typeface="Consolas"/>
               </a:rPr>
               <a:t>// create and activate a new virtual environment to contain dependencies.</a:t>
             </a:r>
@@ -9460,7 +9614,7 @@
           <a:p>
             <a:pPr marL="457200" lvl="0" indent="-228600" rtl="0">
               <a:lnSpc>
-                <a:spcPct val="120000"/>
+                <a:spcPct val="110000"/>
               </a:lnSpc>
               <a:spcBef>
                 <a:spcPts val="0"/>
@@ -9485,6 +9639,8 @@
                 <a:solidFill>
                   <a:srgbClr val="999999"/>
                 </a:solidFill>
+                <a:latin typeface="Consolas"/>
+                <a:cs typeface="Consolas"/>
               </a:rPr>
               <a:t>// bind the virtual environment to the current working directory. Now, whenever you want to work on HelloWorld again, running </a:t>
             </a:r>
@@ -9502,6 +9658,8 @@
                 <a:solidFill>
                   <a:srgbClr val="999999"/>
                 </a:solidFill>
+                <a:latin typeface="Consolas"/>
+                <a:cs typeface="Consolas"/>
               </a:rPr>
               <a:t> </a:t>
             </a:r>
@@ -9519,11 +9677,16 @@
                 <a:solidFill>
                   <a:srgbClr val="999999"/>
                 </a:solidFill>
+                <a:latin typeface="Consolas"/>
+                <a:cs typeface="Consolas"/>
               </a:rPr>
               <a:t>will allow you to</a:t>
             </a:r>
             <a:r>
-              <a:rPr lang="en" sz="1400" dirty="0"/>
+              <a:rPr lang="en" sz="1400" dirty="0">
+                <a:latin typeface="Consolas"/>
+                <a:cs typeface="Consolas"/>
+              </a:rPr>
               <a:t> </a:t>
             </a:r>
             <a:r>
@@ -9531,6 +9694,8 @@
                 <a:solidFill>
                   <a:srgbClr val="999999"/>
                 </a:solidFill>
+                <a:latin typeface="Consolas"/>
+                <a:cs typeface="Consolas"/>
               </a:rPr>
               <a:t>jump immediately to this directory and also activate the existing virtualenv.</a:t>
             </a:r>
@@ -9538,7 +9703,7 @@
           <a:p>
             <a:pPr marL="457200" lvl="0" indent="-228600">
               <a:lnSpc>
-                <a:spcPct val="120000"/>
+                <a:spcPct val="110000"/>
               </a:lnSpc>
               <a:spcBef>
                 <a:spcPts val="0"/>
@@ -9657,7 +9822,7 @@
               <a:buAutoNum type="arabicPeriod"/>
             </a:pPr>
             <a:r>
-              <a:rPr lang="en">
+              <a:rPr lang="en" dirty="0">
                 <a:latin typeface="Consolas"/>
                 <a:ea typeface="Consolas"/>
                 <a:cs typeface="Consolas"/>
@@ -9666,7 +9831,7 @@
               <a:t>touch hello_world.py </a:t>
             </a:r>
             <a:r>
-              <a:rPr lang="en">
+              <a:rPr lang="en" dirty="0">
                 <a:solidFill>
                   <a:srgbClr val="999999"/>
                 </a:solidFill>
@@ -9687,7 +9852,7 @@
               <a:buAutoNum type="arabicPeriod"/>
             </a:pPr>
             <a:r>
-              <a:rPr lang="en"/>
+              <a:rPr lang="en" dirty="0"/>
               <a:t>Open this file in IntelliJ and type the following highlighted code:</a:t>
             </a:r>
           </a:p>
@@ -9705,7 +9870,7 @@
               <a:buNone/>
             </a:pPr>
             <a:r>
-              <a:rPr lang="en" sz="1200" b="1">
+              <a:rPr lang="en" sz="1200" b="1" dirty="0">
                 <a:solidFill>
                   <a:srgbClr val="004461"/>
                 </a:solidFill>
@@ -9717,7 +9882,7 @@
               <a:t>from</a:t>
             </a:r>
             <a:r>
-              <a:rPr lang="en" sz="1200">
+              <a:rPr lang="en" sz="1200" dirty="0">
                 <a:solidFill>
                   <a:srgbClr val="3E4349"/>
                 </a:solidFill>
@@ -9729,7 +9894,7 @@
               <a:t> </a:t>
             </a:r>
             <a:r>
-              <a:rPr lang="en" sz="1200">
+              <a:rPr lang="en" sz="1200" dirty="0">
                 <a:solidFill>
                   <a:srgbClr val="000000"/>
                 </a:solidFill>
@@ -9741,7 +9906,7 @@
               <a:t>flask</a:t>
             </a:r>
             <a:r>
-              <a:rPr lang="en" sz="1200">
+              <a:rPr lang="en" sz="1200" dirty="0">
                 <a:solidFill>
                   <a:srgbClr val="3E4349"/>
                 </a:solidFill>
@@ -9753,7 +9918,7 @@
               <a:t> </a:t>
             </a:r>
             <a:r>
-              <a:rPr lang="en" sz="1200" b="1">
+              <a:rPr lang="en" sz="1200" b="1" dirty="0">
                 <a:solidFill>
                   <a:srgbClr val="004461"/>
                 </a:solidFill>
@@ -9765,7 +9930,7 @@
               <a:t>import</a:t>
             </a:r>
             <a:r>
-              <a:rPr lang="en" sz="1200">
+              <a:rPr lang="en" sz="1200" dirty="0">
                 <a:solidFill>
                   <a:srgbClr val="3E4349"/>
                 </a:solidFill>
@@ -9777,7 +9942,7 @@
               <a:t> </a:t>
             </a:r>
             <a:r>
-              <a:rPr lang="en" sz="1200">
+              <a:rPr lang="en" sz="1200" dirty="0">
                 <a:solidFill>
                   <a:srgbClr val="000000"/>
                 </a:solidFill>
@@ -9789,7 +9954,7 @@
               <a:t>Flask        </a:t>
             </a:r>
             <a:r>
-              <a:rPr lang="en" sz="1200">
+              <a:rPr lang="en" sz="1200" dirty="0">
                 <a:solidFill>
                   <a:srgbClr val="999999"/>
                 </a:solidFill>
@@ -9801,7 +9966,7 @@
               <a:t># we import the Flask class</a:t>
             </a:r>
             <a:r>
-              <a:rPr lang="en" sz="1200">
+              <a:rPr lang="en" sz="1200" dirty="0">
                 <a:solidFill>
                   <a:srgbClr val="3E4349"/>
                 </a:solidFill>
@@ -9813,7 +9978,7 @@
               <a:t/>
             </a:r>
             <a:br>
-              <a:rPr lang="en" sz="1200">
+              <a:rPr lang="en" sz="1200" dirty="0">
                 <a:solidFill>
                   <a:srgbClr val="3E4349"/>
                 </a:solidFill>
@@ -9824,7 +9989,7 @@
               </a:rPr>
             </a:br>
             <a:r>
-              <a:rPr lang="en" sz="1200">
+              <a:rPr lang="en" sz="1200" dirty="0">
                 <a:solidFill>
                   <a:srgbClr val="000000"/>
                 </a:solidFill>
@@ -9836,7 +10001,7 @@
               <a:t>app</a:t>
             </a:r>
             <a:r>
-              <a:rPr lang="en" sz="1200">
+              <a:rPr lang="en" sz="1200" dirty="0">
                 <a:solidFill>
                   <a:srgbClr val="3E4349"/>
                 </a:solidFill>
@@ -9848,7 +10013,7 @@
               <a:t> </a:t>
             </a:r>
             <a:r>
-              <a:rPr lang="en" sz="1200">
+              <a:rPr lang="en" sz="1200" dirty="0">
                 <a:solidFill>
                   <a:srgbClr val="582800"/>
                 </a:solidFill>
@@ -9860,7 +10025,7 @@
               <a:t>=</a:t>
             </a:r>
             <a:r>
-              <a:rPr lang="en" sz="1200">
+              <a:rPr lang="en" sz="1200" dirty="0">
                 <a:solidFill>
                   <a:srgbClr val="3E4349"/>
                 </a:solidFill>
@@ -9872,7 +10037,7 @@
               <a:t> </a:t>
             </a:r>
             <a:r>
-              <a:rPr lang="en" sz="1200">
+              <a:rPr lang="en" sz="1200" dirty="0">
                 <a:solidFill>
                   <a:srgbClr val="000000"/>
                 </a:solidFill>
@@ -9884,7 +10049,7 @@
               <a:t>Flask</a:t>
             </a:r>
             <a:r>
-              <a:rPr lang="en" sz="1200" b="1">
+              <a:rPr lang="en" sz="1200" b="1" dirty="0">
                 <a:solidFill>
                   <a:srgbClr val="000000"/>
                 </a:solidFill>
@@ -9896,7 +10061,7 @@
               <a:t>(</a:t>
             </a:r>
             <a:r>
-              <a:rPr lang="en" sz="1200">
+              <a:rPr lang="en" sz="1200" dirty="0">
                 <a:solidFill>
                   <a:srgbClr val="000000"/>
                 </a:solidFill>
@@ -9908,7 +10073,7 @@
               <a:t>__name__</a:t>
             </a:r>
             <a:r>
-              <a:rPr lang="en" sz="1200" b="1">
+              <a:rPr lang="en" sz="1200" b="1" dirty="0">
                 <a:solidFill>
                   <a:srgbClr val="000000"/>
                 </a:solidFill>
@@ -9920,7 +10085,7 @@
               <a:t>)          </a:t>
             </a:r>
             <a:r>
-              <a:rPr lang="en" sz="1200">
+              <a:rPr lang="en" sz="1200" dirty="0">
                 <a:solidFill>
                   <a:srgbClr val="999999"/>
                 </a:solidFill>
@@ -9932,7 +10097,7 @@
               <a:t># we create an instance of the Flask class with our module name</a:t>
             </a:r>
             <a:r>
-              <a:rPr lang="en" sz="1200" b="1">
+              <a:rPr lang="en" sz="1200" b="1" dirty="0">
                 <a:solidFill>
                   <a:srgbClr val="000000"/>
                 </a:solidFill>
@@ -9958,7 +10123,7 @@
               <a:buNone/>
             </a:pPr>
             <a:r>
-              <a:rPr lang="en" sz="1200">
+              <a:rPr lang="en" sz="1200" dirty="0">
                 <a:solidFill>
                   <a:srgbClr val="000000"/>
                 </a:solidFill>
@@ -9970,7 +10135,7 @@
               <a:t>app.secret_key = “secret key”</a:t>
             </a:r>
             <a:r>
-              <a:rPr lang="en" sz="900">
+              <a:rPr lang="en" sz="900" dirty="0">
                 <a:solidFill>
                   <a:srgbClr val="008000"/>
                 </a:solidFill>
@@ -9982,7 +10147,7 @@
               <a:t>   </a:t>
             </a:r>
             <a:r>
-              <a:rPr lang="en" sz="1200">
+              <a:rPr lang="en" sz="1200" dirty="0">
                 <a:solidFill>
                   <a:srgbClr val="999999"/>
                 </a:solidFill>
@@ -9994,7 +10159,7 @@
               <a:t># for encrypting sessions; don’t worry about this for now</a:t>
             </a:r>
             <a:r>
-              <a:rPr lang="en" sz="1200">
+              <a:rPr lang="en" sz="1200" dirty="0">
                 <a:solidFill>
                   <a:srgbClr val="3E4349"/>
                 </a:solidFill>
@@ -10006,7 +10171,7 @@
               <a:t/>
             </a:r>
             <a:br>
-              <a:rPr lang="en" sz="1200">
+              <a:rPr lang="en" sz="1200" dirty="0">
                 <a:solidFill>
                   <a:srgbClr val="3E4349"/>
                 </a:solidFill>
@@ -10017,7 +10182,7 @@
               </a:rPr>
             </a:br>
             <a:r>
-              <a:rPr lang="en" sz="1200">
+              <a:rPr lang="en" sz="1200" dirty="0">
                 <a:solidFill>
                   <a:srgbClr val="3E4349"/>
                 </a:solidFill>
@@ -10029,7 +10194,7 @@
               <a:t/>
             </a:r>
             <a:br>
-              <a:rPr lang="en" sz="1200">
+              <a:rPr lang="en" sz="1200" dirty="0">
                 <a:solidFill>
                   <a:srgbClr val="3E4349"/>
                 </a:solidFill>
@@ -10040,7 +10205,7 @@
               </a:rPr>
             </a:br>
             <a:r>
-              <a:rPr lang="en" sz="1200">
+              <a:rPr lang="en" sz="1200" dirty="0">
                 <a:solidFill>
                   <a:srgbClr val="888888"/>
                 </a:solidFill>
@@ -10052,7 +10217,7 @@
               <a:t>@app</a:t>
             </a:r>
             <a:r>
-              <a:rPr lang="en" sz="1200">
+              <a:rPr lang="en" sz="1200" dirty="0">
                 <a:solidFill>
                   <a:srgbClr val="582800"/>
                 </a:solidFill>
@@ -10064,7 +10229,7 @@
               <a:t>.</a:t>
             </a:r>
             <a:r>
-              <a:rPr lang="en" sz="1200">
+              <a:rPr lang="en" sz="1200" dirty="0">
                 <a:solidFill>
                   <a:srgbClr val="000000"/>
                 </a:solidFill>
@@ -10076,7 +10241,7 @@
               <a:t>route</a:t>
             </a:r>
             <a:r>
-              <a:rPr lang="en" sz="1200" b="1">
+              <a:rPr lang="en" sz="1200" b="1" dirty="0">
                 <a:solidFill>
                   <a:srgbClr val="000000"/>
                 </a:solidFill>
@@ -10088,7 +10253,7 @@
               <a:t>(</a:t>
             </a:r>
             <a:r>
-              <a:rPr lang="en" sz="1200">
+              <a:rPr lang="en" sz="1200" dirty="0">
                 <a:solidFill>
                   <a:srgbClr val="4E9A06"/>
                 </a:solidFill>
@@ -10100,7 +10265,7 @@
               <a:t>'/hello/'</a:t>
             </a:r>
             <a:r>
-              <a:rPr lang="en" sz="1200" b="1">
+              <a:rPr lang="en" sz="1200" b="1" dirty="0">
                 <a:solidFill>
                   <a:srgbClr val="000000"/>
                 </a:solidFill>
@@ -10112,7 +10277,7 @@
               <a:t>)</a:t>
             </a:r>
             <a:r>
-              <a:rPr lang="en" sz="1200">
+              <a:rPr lang="en" sz="1200" dirty="0">
                 <a:solidFill>
                   <a:srgbClr val="000000"/>
                 </a:solidFill>
@@ -10124,7 +10289,7 @@
               <a:t>          </a:t>
             </a:r>
             <a:r>
-              <a:rPr lang="en" sz="1200">
+              <a:rPr lang="en" sz="1200" dirty="0">
                 <a:solidFill>
                   <a:srgbClr val="999999"/>
                 </a:solidFill>
@@ -10136,7 +10301,7 @@
               <a:t># route decorator tells Flask what URL should trigger this function</a:t>
             </a:r>
             <a:br>
-              <a:rPr lang="en" sz="1200">
+              <a:rPr lang="en" sz="1200" dirty="0">
                 <a:solidFill>
                   <a:srgbClr val="999999"/>
                 </a:solidFill>
@@ -10147,7 +10312,7 @@
               </a:rPr>
             </a:br>
             <a:r>
-              <a:rPr lang="en" sz="1200" b="1">
+              <a:rPr lang="en" sz="1200" b="1" dirty="0">
                 <a:solidFill>
                   <a:srgbClr val="004461"/>
                 </a:solidFill>
@@ -10159,7 +10324,7 @@
               <a:t>def</a:t>
             </a:r>
             <a:r>
-              <a:rPr lang="en" sz="1200">
+              <a:rPr lang="en" sz="1200" dirty="0">
                 <a:solidFill>
                   <a:srgbClr val="3E4349"/>
                 </a:solidFill>
@@ -10171,7 +10336,7 @@
               <a:t> </a:t>
             </a:r>
             <a:r>
-              <a:rPr lang="en" sz="1200">
+              <a:rPr lang="en" sz="1200" dirty="0">
                 <a:solidFill>
                   <a:srgbClr val="000000"/>
                 </a:solidFill>
@@ -10183,7 +10348,7 @@
               <a:t>hello_world</a:t>
             </a:r>
             <a:r>
-              <a:rPr lang="en" sz="1200" b="1">
+              <a:rPr lang="en" sz="1200" b="1" dirty="0">
                 <a:solidFill>
                   <a:srgbClr val="000000"/>
                 </a:solidFill>
@@ -10195,7 +10360,7 @@
               <a:t>():</a:t>
             </a:r>
             <a:r>
-              <a:rPr lang="en" sz="1200">
+              <a:rPr lang="en" sz="1200" dirty="0">
                 <a:solidFill>
                   <a:srgbClr val="000000"/>
                 </a:solidFill>
@@ -10207,7 +10372,7 @@
               <a:t>             </a:t>
             </a:r>
             <a:r>
-              <a:rPr lang="en" sz="1200">
+              <a:rPr lang="en" sz="1200" dirty="0">
                 <a:solidFill>
                   <a:srgbClr val="999999"/>
                 </a:solidFill>
@@ -10219,7 +10384,7 @@
               <a:t># we name the function hello_world</a:t>
             </a:r>
             <a:br>
-              <a:rPr lang="en" sz="1200">
+              <a:rPr lang="en" sz="1200" dirty="0">
                 <a:solidFill>
                   <a:srgbClr val="999999"/>
                 </a:solidFill>
@@ -10230,7 +10395,7 @@
               </a:rPr>
             </a:br>
             <a:r>
-              <a:rPr lang="en" sz="1200">
+              <a:rPr lang="en" sz="1200" dirty="0">
                 <a:solidFill>
                   <a:srgbClr val="3E4349"/>
                 </a:solidFill>
@@ -10242,7 +10407,7 @@
               <a:t>    </a:t>
             </a:r>
             <a:r>
-              <a:rPr lang="en" sz="1200" b="1">
+              <a:rPr lang="en" sz="1200" b="1" dirty="0">
                 <a:solidFill>
                   <a:srgbClr val="004461"/>
                 </a:solidFill>
@@ -10254,7 +10419,7 @@
               <a:t>return</a:t>
             </a:r>
             <a:r>
-              <a:rPr lang="en" sz="1200">
+              <a:rPr lang="en" sz="1200" dirty="0">
                 <a:solidFill>
                   <a:srgbClr val="3E4349"/>
                 </a:solidFill>
@@ -10266,7 +10431,7 @@
               <a:t> </a:t>
             </a:r>
             <a:r>
-              <a:rPr lang="en" sz="1200">
+              <a:rPr lang="en" sz="1200" dirty="0">
                 <a:solidFill>
                   <a:srgbClr val="4E9A06"/>
                 </a:solidFill>
@@ -10278,7 +10443,7 @@
               <a:t>'Hello, World!'</a:t>
             </a:r>
             <a:r>
-              <a:rPr lang="en" sz="1200" b="1">
+              <a:rPr lang="en" sz="1200" b="1" dirty="0">
                 <a:solidFill>
                   <a:srgbClr val="000000"/>
                 </a:solidFill>
@@ -10290,7 +10455,7 @@
               <a:t>     </a:t>
             </a:r>
             <a:r>
-              <a:rPr lang="en" sz="1200">
+              <a:rPr lang="en" sz="1200" dirty="0">
                 <a:solidFill>
                   <a:srgbClr val="999999"/>
                 </a:solidFill>
@@ -10316,7 +10481,7 @@
               <a:buNone/>
             </a:pPr>
             <a:r>
-              <a:rPr lang="en" sz="1200" b="1">
+              <a:rPr lang="en" sz="1200" b="1" dirty="0">
                 <a:solidFill>
                   <a:srgbClr val="000080"/>
                 </a:solidFill>
@@ -10328,7 +10493,7 @@
               <a:t>if </a:t>
             </a:r>
             <a:r>
-              <a:rPr lang="en" sz="1200">
+              <a:rPr lang="en" sz="1200" dirty="0">
                 <a:solidFill>
                   <a:srgbClr val="000000"/>
                 </a:solidFill>
@@ -10340,7 +10505,7 @@
               <a:t>__name__ == </a:t>
             </a:r>
             <a:r>
-              <a:rPr lang="en" sz="1200" b="1">
+              <a:rPr lang="en" sz="1200" b="1" dirty="0">
                 <a:solidFill>
                   <a:srgbClr val="008000"/>
                 </a:solidFill>
@@ -10352,7 +10517,7 @@
               <a:t>'__main__'</a:t>
             </a:r>
             <a:r>
-              <a:rPr lang="en" sz="1200">
+              <a:rPr lang="en" sz="1200" dirty="0">
                 <a:solidFill>
                   <a:srgbClr val="000000"/>
                 </a:solidFill>
@@ -10364,7 +10529,7 @@
               <a:t>:     </a:t>
             </a:r>
             <a:r>
-              <a:rPr lang="en" sz="1200">
+              <a:rPr lang="en" sz="1200" dirty="0">
                 <a:solidFill>
                   <a:srgbClr val="999999"/>
                 </a:solidFill>
@@ -10390,7 +10555,7 @@
               <a:buNone/>
             </a:pPr>
             <a:r>
-              <a:rPr lang="en" sz="1200">
+              <a:rPr lang="en" sz="1200" dirty="0">
                 <a:solidFill>
                   <a:srgbClr val="000000"/>
                 </a:solidFill>
@@ -10402,7 +10567,7 @@
               <a:t>   app.run(</a:t>
             </a:r>
             <a:r>
-              <a:rPr lang="en" sz="1200">
+              <a:rPr lang="en" sz="1200" dirty="0">
                 <a:solidFill>
                   <a:srgbClr val="660099"/>
                 </a:solidFill>
@@ -10414,7 +10579,7 @@
               <a:t>debug</a:t>
             </a:r>
             <a:r>
-              <a:rPr lang="en" sz="1200">
+              <a:rPr lang="en" sz="1200" dirty="0">
                 <a:solidFill>
                   <a:srgbClr val="000000"/>
                 </a:solidFill>
@@ -10426,7 +10591,7 @@
               <a:t>=</a:t>
             </a:r>
             <a:r>
-              <a:rPr lang="en" sz="1200">
+              <a:rPr lang="en" sz="1200" dirty="0">
                 <a:solidFill>
                   <a:srgbClr val="000080"/>
                 </a:solidFill>
@@ -10438,7 +10603,7 @@
               <a:t>True</a:t>
             </a:r>
             <a:r>
-              <a:rPr lang="en" sz="1200">
+              <a:rPr lang="en" sz="1200" dirty="0">
                 <a:solidFill>
                   <a:srgbClr val="000000"/>
                 </a:solidFill>
@@ -10450,7 +10615,7 @@
               <a:t>)         </a:t>
             </a:r>
             <a:r>
-              <a:rPr lang="en" sz="1200">
+              <a:rPr lang="en" sz="1200" dirty="0">
                 <a:solidFill>
                   <a:srgbClr val="999999"/>
                 </a:solidFill>
@@ -10469,7 +10634,7 @@
               </a:spcBef>
               <a:buNone/>
             </a:pPr>
-            <a:endParaRPr/>
+            <a:endParaRPr dirty="0"/>
           </a:p>
         </p:txBody>
       </p:sp>
@@ -10984,6 +11149,8 @@
                 <a:solidFill>
                   <a:srgbClr val="999999"/>
                 </a:solidFill>
+                <a:latin typeface="Consolas"/>
+                <a:cs typeface="Consolas"/>
               </a:rPr>
               <a:t>// for PC: </a:t>
             </a:r>
@@ -11044,6 +11211,8 @@
                 <a:solidFill>
                   <a:srgbClr val="999999"/>
                 </a:solidFill>
+                <a:latin typeface="Consolas"/>
+                <a:cs typeface="Consolas"/>
               </a:rPr>
               <a:t>// for PC: </a:t>
             </a:r>
